--- a/ppt/05-13.pptx
+++ b/ppt/05-13.pptx
@@ -9,6 +9,8 @@
     <p:sldId id="277" r:id="rId3"/>
     <p:sldId id="278" r:id="rId4"/>
     <p:sldId id="279" r:id="rId5"/>
+    <p:sldId id="280" r:id="rId6"/>
+    <p:sldId id="281" r:id="rId7"/>
   </p:sldIdLst>
   <p:sldSz cx="12192000" cy="6858000"/>
   <p:notesSz cx="6858000" cy="9144000"/>
@@ -3804,6 +3806,324 @@
 </p:sld>
 </file>
 
+<file path=ppt/slides/slide5.xml><?xml version="1.0" encoding="utf-8"?>
+<p:sld xmlns:a="http://schemas.openxmlformats.org/drawingml/2006/main" xmlns:r="http://schemas.openxmlformats.org/officeDocument/2006/relationships" xmlns:p="http://schemas.openxmlformats.org/presentationml/2006/main">
+  <p:cSld>
+    <p:spTree>
+      <p:nvGrpSpPr>
+        <p:cNvPr id="1" name=""/>
+        <p:cNvGrpSpPr/>
+        <p:nvPr/>
+      </p:nvGrpSpPr>
+      <p:grpSpPr>
+        <a:xfrm>
+          <a:off x="0" y="0"/>
+          <a:ext cx="0" cy="0"/>
+          <a:chOff x="0" y="0"/>
+          <a:chExt cx="0" cy="0"/>
+        </a:xfrm>
+      </p:grpSpPr>
+      <p:sp>
+        <p:nvSpPr>
+          <p:cNvPr id="2" name="TextBox 1"/>
+          <p:cNvSpPr txBox="1"/>
+          <p:nvPr/>
+        </p:nvSpPr>
+        <p:spPr>
+          <a:xfrm>
+            <a:off x="299803" y="217357"/>
+            <a:ext cx="1821332" cy="369332"/>
+          </a:xfrm>
+          <a:prstGeom prst="rect">
+            <a:avLst/>
+          </a:prstGeom>
+          <a:noFill/>
+        </p:spPr>
+        <p:txBody>
+          <a:bodyPr wrap="none" rtlCol="0">
+            <a:spAutoFit/>
+          </a:bodyPr>
+          <a:lstStyle/>
+          <a:p>
+            <a:r>
+              <a:rPr lang="en-US" altLang="ko-KR" dirty="0"/>
+              <a:t>UI-SJN-21-003L</a:t>
+            </a:r>
+            <a:endParaRPr lang="ko-KR" altLang="en-US" dirty="0"/>
+          </a:p>
+        </p:txBody>
+      </p:sp>
+      <p:pic>
+        <p:nvPicPr>
+          <p:cNvPr id="5" name="그림 4"/>
+          <p:cNvPicPr>
+            <a:picLocks noChangeAspect="1"/>
+          </p:cNvPicPr>
+          <p:nvPr/>
+        </p:nvPicPr>
+        <p:blipFill>
+          <a:blip r:embed="rId2"/>
+          <a:stretch>
+            <a:fillRect/>
+          </a:stretch>
+        </p:blipFill>
+        <p:spPr>
+          <a:xfrm>
+            <a:off x="511774" y="1431465"/>
+            <a:ext cx="4467849" cy="1371791"/>
+          </a:xfrm>
+          <a:prstGeom prst="rect">
+            <a:avLst/>
+          </a:prstGeom>
+        </p:spPr>
+      </p:pic>
+      <p:cxnSp>
+        <p:nvCxnSpPr>
+          <p:cNvPr id="9" name="직선 화살표 연결선 8"/>
+          <p:cNvCxnSpPr/>
+          <p:nvPr/>
+        </p:nvCxnSpPr>
+        <p:spPr>
+          <a:xfrm>
+            <a:off x="5156616" y="2121108"/>
+            <a:ext cx="1131758" cy="0"/>
+          </a:xfrm>
+          <a:prstGeom prst="straightConnector1">
+            <a:avLst/>
+          </a:prstGeom>
+          <a:ln>
+            <a:tailEnd type="triangle"/>
+          </a:ln>
+        </p:spPr>
+        <p:style>
+          <a:lnRef idx="1">
+            <a:schemeClr val="accent1"/>
+          </a:lnRef>
+          <a:fillRef idx="0">
+            <a:schemeClr val="accent1"/>
+          </a:fillRef>
+          <a:effectRef idx="0">
+            <a:schemeClr val="accent1"/>
+          </a:effectRef>
+          <a:fontRef idx="minor">
+            <a:schemeClr val="tx1"/>
+          </a:fontRef>
+        </p:style>
+      </p:cxnSp>
+      <p:sp>
+        <p:nvSpPr>
+          <p:cNvPr id="10" name="TextBox 9"/>
+          <p:cNvSpPr txBox="1"/>
+          <p:nvPr/>
+        </p:nvSpPr>
+        <p:spPr>
+          <a:xfrm>
+            <a:off x="5448925" y="2503358"/>
+            <a:ext cx="646331" cy="369332"/>
+          </a:xfrm>
+          <a:prstGeom prst="rect">
+            <a:avLst/>
+          </a:prstGeom>
+          <a:noFill/>
+        </p:spPr>
+        <p:txBody>
+          <a:bodyPr wrap="none" rtlCol="0">
+            <a:spAutoFit/>
+          </a:bodyPr>
+          <a:lstStyle/>
+          <a:p>
+            <a:r>
+              <a:rPr lang="ko-KR" altLang="en-US" smtClean="0"/>
+              <a:t>변경</a:t>
+            </a:r>
+            <a:endParaRPr lang="ko-KR" altLang="en-US"/>
+          </a:p>
+        </p:txBody>
+      </p:sp>
+      <p:pic>
+        <p:nvPicPr>
+          <p:cNvPr id="11" name="그림 10"/>
+          <p:cNvPicPr>
+            <a:picLocks noChangeAspect="1"/>
+          </p:cNvPicPr>
+          <p:nvPr/>
+        </p:nvPicPr>
+        <p:blipFill>
+          <a:blip r:embed="rId3"/>
+          <a:stretch>
+            <a:fillRect/>
+          </a:stretch>
+        </p:blipFill>
+        <p:spPr>
+          <a:xfrm>
+            <a:off x="6850505" y="1326053"/>
+            <a:ext cx="4205314" cy="2312512"/>
+          </a:xfrm>
+          <a:prstGeom prst="rect">
+            <a:avLst/>
+          </a:prstGeom>
+        </p:spPr>
+      </p:pic>
+    </p:spTree>
+    <p:extLst>
+      <p:ext uri="{BB962C8B-B14F-4D97-AF65-F5344CB8AC3E}">
+        <p14:creationId xmlns:p14="http://schemas.microsoft.com/office/powerpoint/2010/main" val="839134524"/>
+      </p:ext>
+    </p:extLst>
+  </p:cSld>
+  <p:clrMapOvr>
+    <a:masterClrMapping/>
+  </p:clrMapOvr>
+</p:sld>
+</file>
+
+<file path=ppt/slides/slide6.xml><?xml version="1.0" encoding="utf-8"?>
+<p:sld xmlns:a="http://schemas.openxmlformats.org/drawingml/2006/main" xmlns:r="http://schemas.openxmlformats.org/officeDocument/2006/relationships" xmlns:p="http://schemas.openxmlformats.org/presentationml/2006/main">
+  <p:cSld>
+    <p:spTree>
+      <p:nvGrpSpPr>
+        <p:cNvPr id="1" name=""/>
+        <p:cNvGrpSpPr/>
+        <p:nvPr/>
+      </p:nvGrpSpPr>
+      <p:grpSpPr>
+        <a:xfrm>
+          <a:off x="0" y="0"/>
+          <a:ext cx="0" cy="0"/>
+          <a:chOff x="0" y="0"/>
+          <a:chExt cx="0" cy="0"/>
+        </a:xfrm>
+      </p:grpSpPr>
+      <p:sp>
+        <p:nvSpPr>
+          <p:cNvPr id="2" name="TextBox 1"/>
+          <p:cNvSpPr txBox="1"/>
+          <p:nvPr/>
+        </p:nvSpPr>
+        <p:spPr>
+          <a:xfrm>
+            <a:off x="299803" y="217357"/>
+            <a:ext cx="1872629" cy="369332"/>
+          </a:xfrm>
+          <a:prstGeom prst="rect">
+            <a:avLst/>
+          </a:prstGeom>
+          <a:noFill/>
+        </p:spPr>
+        <p:txBody>
+          <a:bodyPr wrap="none" rtlCol="0">
+            <a:spAutoFit/>
+          </a:bodyPr>
+          <a:lstStyle/>
+          <a:p>
+            <a:r>
+              <a:rPr lang="en-US" altLang="ko-KR" dirty="0"/>
+              <a:t>UI-SJN-01-001U</a:t>
+            </a:r>
+            <a:endParaRPr lang="ko-KR" altLang="en-US" dirty="0"/>
+          </a:p>
+        </p:txBody>
+      </p:sp>
+      <p:pic>
+        <p:nvPicPr>
+          <p:cNvPr id="3" name="그림 2"/>
+          <p:cNvPicPr>
+            <a:picLocks noChangeAspect="1"/>
+          </p:cNvPicPr>
+          <p:nvPr/>
+        </p:nvPicPr>
+        <p:blipFill>
+          <a:blip r:embed="rId2"/>
+          <a:stretch>
+            <a:fillRect/>
+          </a:stretch>
+        </p:blipFill>
+        <p:spPr>
+          <a:xfrm>
+            <a:off x="176526" y="1375008"/>
+            <a:ext cx="4448796" cy="1514686"/>
+          </a:xfrm>
+          <a:prstGeom prst="rect">
+            <a:avLst/>
+          </a:prstGeom>
+        </p:spPr>
+      </p:pic>
+      <p:cxnSp>
+        <p:nvCxnSpPr>
+          <p:cNvPr id="6" name="직선 화살표 연결선 5"/>
+          <p:cNvCxnSpPr/>
+          <p:nvPr/>
+        </p:nvCxnSpPr>
+        <p:spPr>
+          <a:xfrm flipH="1">
+            <a:off x="4234721" y="2256020"/>
+            <a:ext cx="1326630" cy="0"/>
+          </a:xfrm>
+          <a:prstGeom prst="straightConnector1">
+            <a:avLst/>
+          </a:prstGeom>
+          <a:ln>
+            <a:tailEnd type="triangle"/>
+          </a:ln>
+        </p:spPr>
+        <p:style>
+          <a:lnRef idx="1">
+            <a:schemeClr val="accent1"/>
+          </a:lnRef>
+          <a:fillRef idx="0">
+            <a:schemeClr val="accent1"/>
+          </a:fillRef>
+          <a:effectRef idx="0">
+            <a:schemeClr val="accent1"/>
+          </a:effectRef>
+          <a:fontRef idx="minor">
+            <a:schemeClr val="tx1"/>
+          </a:fontRef>
+        </p:style>
+      </p:cxnSp>
+      <p:sp>
+        <p:nvSpPr>
+          <p:cNvPr id="7" name="TextBox 6"/>
+          <p:cNvSpPr txBox="1"/>
+          <p:nvPr/>
+        </p:nvSpPr>
+        <p:spPr>
+          <a:xfrm>
+            <a:off x="5621312" y="2113613"/>
+            <a:ext cx="1566454" cy="307777"/>
+          </a:xfrm>
+          <a:prstGeom prst="rect">
+            <a:avLst/>
+          </a:prstGeom>
+          <a:noFill/>
+        </p:spPr>
+        <p:txBody>
+          <a:bodyPr wrap="none" rtlCol="0">
+            <a:spAutoFit/>
+          </a:bodyPr>
+          <a:lstStyle/>
+          <a:p>
+            <a:r>
+              <a:rPr lang="ko-KR" altLang="en-US" sz="1400" smtClean="0"/>
+              <a:t>위치 아이콘 변경</a:t>
+            </a:r>
+            <a:endParaRPr lang="ko-KR" altLang="en-US" sz="1400"/>
+          </a:p>
+        </p:txBody>
+      </p:sp>
+    </p:spTree>
+    <p:extLst>
+      <p:ext uri="{BB962C8B-B14F-4D97-AF65-F5344CB8AC3E}">
+        <p14:creationId xmlns:p14="http://schemas.microsoft.com/office/powerpoint/2010/main" val="244689528"/>
+      </p:ext>
+    </p:extLst>
+  </p:cSld>
+  <p:clrMapOvr>
+    <a:masterClrMapping/>
+  </p:clrMapOvr>
+</p:sld>
+</file>
+
 <file path=ppt/theme/theme1.xml><?xml version="1.0" encoding="utf-8"?>
 <a:theme xmlns:a="http://schemas.openxmlformats.org/drawingml/2006/main" name="Office 테마">
   <a:themeElements>
